--- a/ppt 16-9/1405.十字架的福音.pptx
+++ b/ppt 16-9/1405.十字架的福音.pptx
@@ -5,7 +5,7 @@
     <p:sldMasterId id="2147483648" r:id="rId1"/>
   </p:sldMasterIdLst>
   <p:sldIdLst>
-    <p:sldId id="976" r:id="rId2"/>
+    <p:sldId id="977" r:id="rId2"/>
   </p:sldIdLst>
   <p:sldSz cx="12192000" cy="6858000"/>
   <p:notesSz cx="6858000" cy="9144000"/>
@@ -129,7 +129,7 @@
           <p:cNvPr id="2" name="标题 1">
             <a:extLst>
               <a:ext uri="{FF2B5EF4-FFF2-40B4-BE49-F238E27FC236}">
-                <a16:creationId xmlns:a16="http://schemas.microsoft.com/office/drawing/2014/main" id="{42CDB8C6-DEDC-B92D-CAE4-48F407B28347}"/>
+                <a16:creationId xmlns:a16="http://schemas.microsoft.com/office/drawing/2014/main" id="{005075EE-D8EC-ADE5-1586-E59C5253F3B1}"/>
               </a:ext>
             </a:extLst>
           </p:cNvPr>
@@ -166,7 +166,7 @@
           <p:cNvPr id="3" name="副标题 2">
             <a:extLst>
               <a:ext uri="{FF2B5EF4-FFF2-40B4-BE49-F238E27FC236}">
-                <a16:creationId xmlns:a16="http://schemas.microsoft.com/office/drawing/2014/main" id="{C650E130-4D03-76EC-2E8A-A28E44661E2B}"/>
+                <a16:creationId xmlns:a16="http://schemas.microsoft.com/office/drawing/2014/main" id="{22381307-FC32-2A42-D466-05AB26356688}"/>
               </a:ext>
             </a:extLst>
           </p:cNvPr>
@@ -236,7 +236,7 @@
           <p:cNvPr id="4" name="日期占位符 3">
             <a:extLst>
               <a:ext uri="{FF2B5EF4-FFF2-40B4-BE49-F238E27FC236}">
-                <a16:creationId xmlns:a16="http://schemas.microsoft.com/office/drawing/2014/main" id="{0425825A-F450-89BC-42EC-E10967B293FC}"/>
+                <a16:creationId xmlns:a16="http://schemas.microsoft.com/office/drawing/2014/main" id="{27F9F8E5-E13C-2048-9A47-07020C8E68C6}"/>
               </a:ext>
             </a:extLst>
           </p:cNvPr>
@@ -252,7 +252,7 @@
           <a:bodyPr/>
           <a:lstStyle/>
           <a:p>
-            <a:fld id="{EED2CEB7-51DA-4309-B9AC-D54F855FEF8E}" type="datetimeFigureOut">
+            <a:fld id="{E21A5AF2-4657-42C3-A801-1C1D312213CB}" type="datetimeFigureOut">
               <a:rPr lang="zh-CN" altLang="en-US" smtClean="0"/>
               <a:t>2024/3/10</a:t>
             </a:fld>
@@ -265,7 +265,7 @@
           <p:cNvPr id="5" name="页脚占位符 4">
             <a:extLst>
               <a:ext uri="{FF2B5EF4-FFF2-40B4-BE49-F238E27FC236}">
-                <a16:creationId xmlns:a16="http://schemas.microsoft.com/office/drawing/2014/main" id="{5454ABBC-D8DF-EE3B-2E5D-7AA0E671B3D3}"/>
+                <a16:creationId xmlns:a16="http://schemas.microsoft.com/office/drawing/2014/main" id="{059304F2-8171-9CE4-6377-3D6EF7D7B5F1}"/>
               </a:ext>
             </a:extLst>
           </p:cNvPr>
@@ -290,7 +290,7 @@
           <p:cNvPr id="6" name="灯片编号占位符 5">
             <a:extLst>
               <a:ext uri="{FF2B5EF4-FFF2-40B4-BE49-F238E27FC236}">
-                <a16:creationId xmlns:a16="http://schemas.microsoft.com/office/drawing/2014/main" id="{C8401157-E06C-3CF2-F18E-C8248B346FAC}"/>
+                <a16:creationId xmlns:a16="http://schemas.microsoft.com/office/drawing/2014/main" id="{C8C32567-6709-926A-9790-5D42C673A1F2}"/>
               </a:ext>
             </a:extLst>
           </p:cNvPr>
@@ -306,7 +306,7 @@
           <a:bodyPr/>
           <a:lstStyle/>
           <a:p>
-            <a:fld id="{4C7C4CD1-45E8-4AE7-8A33-4C108A3A0754}" type="slidenum">
+            <a:fld id="{C413D92D-2D9B-4F27-B52F-80B0F5648E73}" type="slidenum">
               <a:rPr lang="zh-CN" altLang="en-US" smtClean="0"/>
               <a:t>‹#›</a:t>
             </a:fld>
@@ -317,7 +317,7 @@
     </p:spTree>
     <p:extLst>
       <p:ext uri="{BB962C8B-B14F-4D97-AF65-F5344CB8AC3E}">
-        <p14:creationId xmlns:p14="http://schemas.microsoft.com/office/powerpoint/2010/main" val="1517881101"/>
+        <p14:creationId xmlns:p14="http://schemas.microsoft.com/office/powerpoint/2010/main" val="2751320493"/>
       </p:ext>
     </p:extLst>
   </p:cSld>
@@ -349,7 +349,7 @@
           <p:cNvPr id="2" name="标题 1">
             <a:extLst>
               <a:ext uri="{FF2B5EF4-FFF2-40B4-BE49-F238E27FC236}">
-                <a16:creationId xmlns:a16="http://schemas.microsoft.com/office/drawing/2014/main" id="{64BD1817-2C3E-9DF9-31D2-E67AF6F70040}"/>
+                <a16:creationId xmlns:a16="http://schemas.microsoft.com/office/drawing/2014/main" id="{B71A9D3A-A4CD-DF2D-2CF0-FFABE0016C2B}"/>
               </a:ext>
             </a:extLst>
           </p:cNvPr>
@@ -377,7 +377,7 @@
           <p:cNvPr id="3" name="竖排文字占位符 2">
             <a:extLst>
               <a:ext uri="{FF2B5EF4-FFF2-40B4-BE49-F238E27FC236}">
-                <a16:creationId xmlns:a16="http://schemas.microsoft.com/office/drawing/2014/main" id="{08112C0C-AFFC-73EE-15A4-AFF866CB3AFC}"/>
+                <a16:creationId xmlns:a16="http://schemas.microsoft.com/office/drawing/2014/main" id="{8909BAB8-1615-B463-D1D5-1F6D0224E9BF}"/>
               </a:ext>
             </a:extLst>
           </p:cNvPr>
@@ -434,7 +434,7 @@
           <p:cNvPr id="4" name="日期占位符 3">
             <a:extLst>
               <a:ext uri="{FF2B5EF4-FFF2-40B4-BE49-F238E27FC236}">
-                <a16:creationId xmlns:a16="http://schemas.microsoft.com/office/drawing/2014/main" id="{BB513AFD-E300-2CDD-5C32-ADAC07086FC0}"/>
+                <a16:creationId xmlns:a16="http://schemas.microsoft.com/office/drawing/2014/main" id="{D9F102CF-DFF4-C4B9-2560-71BC7EDDAFD4}"/>
               </a:ext>
             </a:extLst>
           </p:cNvPr>
@@ -450,7 +450,7 @@
           <a:bodyPr/>
           <a:lstStyle/>
           <a:p>
-            <a:fld id="{EED2CEB7-51DA-4309-B9AC-D54F855FEF8E}" type="datetimeFigureOut">
+            <a:fld id="{E21A5AF2-4657-42C3-A801-1C1D312213CB}" type="datetimeFigureOut">
               <a:rPr lang="zh-CN" altLang="en-US" smtClean="0"/>
               <a:t>2024/3/10</a:t>
             </a:fld>
@@ -463,7 +463,7 @@
           <p:cNvPr id="5" name="页脚占位符 4">
             <a:extLst>
               <a:ext uri="{FF2B5EF4-FFF2-40B4-BE49-F238E27FC236}">
-                <a16:creationId xmlns:a16="http://schemas.microsoft.com/office/drawing/2014/main" id="{A2D57930-7A3B-F0AD-789C-8CC534A49B53}"/>
+                <a16:creationId xmlns:a16="http://schemas.microsoft.com/office/drawing/2014/main" id="{8C85E6A4-0B20-720A-BBC8-10FF12856F74}"/>
               </a:ext>
             </a:extLst>
           </p:cNvPr>
@@ -488,7 +488,7 @@
           <p:cNvPr id="6" name="灯片编号占位符 5">
             <a:extLst>
               <a:ext uri="{FF2B5EF4-FFF2-40B4-BE49-F238E27FC236}">
-                <a16:creationId xmlns:a16="http://schemas.microsoft.com/office/drawing/2014/main" id="{E448D25A-19EE-1317-72B3-4174BB462D4D}"/>
+                <a16:creationId xmlns:a16="http://schemas.microsoft.com/office/drawing/2014/main" id="{C3D7BDC1-B028-7B9D-6BD3-DECAD0FC3949}"/>
               </a:ext>
             </a:extLst>
           </p:cNvPr>
@@ -504,7 +504,7 @@
           <a:bodyPr/>
           <a:lstStyle/>
           <a:p>
-            <a:fld id="{4C7C4CD1-45E8-4AE7-8A33-4C108A3A0754}" type="slidenum">
+            <a:fld id="{C413D92D-2D9B-4F27-B52F-80B0F5648E73}" type="slidenum">
               <a:rPr lang="zh-CN" altLang="en-US" smtClean="0"/>
               <a:t>‹#›</a:t>
             </a:fld>
@@ -515,7 +515,7 @@
     </p:spTree>
     <p:extLst>
       <p:ext uri="{BB962C8B-B14F-4D97-AF65-F5344CB8AC3E}">
-        <p14:creationId xmlns:p14="http://schemas.microsoft.com/office/powerpoint/2010/main" val="868650856"/>
+        <p14:creationId xmlns:p14="http://schemas.microsoft.com/office/powerpoint/2010/main" val="1483152151"/>
       </p:ext>
     </p:extLst>
   </p:cSld>
@@ -547,7 +547,7 @@
           <p:cNvPr id="2" name="竖排标题 1">
             <a:extLst>
               <a:ext uri="{FF2B5EF4-FFF2-40B4-BE49-F238E27FC236}">
-                <a16:creationId xmlns:a16="http://schemas.microsoft.com/office/drawing/2014/main" id="{D7C1E998-E2D5-20D5-1D93-5E80498D0D0C}"/>
+                <a16:creationId xmlns:a16="http://schemas.microsoft.com/office/drawing/2014/main" id="{D06411BC-93E4-759F-E9B6-832CE8A19F99}"/>
               </a:ext>
             </a:extLst>
           </p:cNvPr>
@@ -580,7 +580,7 @@
           <p:cNvPr id="3" name="竖排文字占位符 2">
             <a:extLst>
               <a:ext uri="{FF2B5EF4-FFF2-40B4-BE49-F238E27FC236}">
-                <a16:creationId xmlns:a16="http://schemas.microsoft.com/office/drawing/2014/main" id="{7134319F-D1F7-B0D0-593E-C2EAA05C47DF}"/>
+                <a16:creationId xmlns:a16="http://schemas.microsoft.com/office/drawing/2014/main" id="{9557B03E-69A2-C707-A864-A7E02E0023BC}"/>
               </a:ext>
             </a:extLst>
           </p:cNvPr>
@@ -642,7 +642,7 @@
           <p:cNvPr id="4" name="日期占位符 3">
             <a:extLst>
               <a:ext uri="{FF2B5EF4-FFF2-40B4-BE49-F238E27FC236}">
-                <a16:creationId xmlns:a16="http://schemas.microsoft.com/office/drawing/2014/main" id="{094029B1-75B1-E778-2B4C-C9D787406F7E}"/>
+                <a16:creationId xmlns:a16="http://schemas.microsoft.com/office/drawing/2014/main" id="{B84F3B52-D239-BB1E-F3A0-82EF9E8D4CC9}"/>
               </a:ext>
             </a:extLst>
           </p:cNvPr>
@@ -658,7 +658,7 @@
           <a:bodyPr/>
           <a:lstStyle/>
           <a:p>
-            <a:fld id="{EED2CEB7-51DA-4309-B9AC-D54F855FEF8E}" type="datetimeFigureOut">
+            <a:fld id="{E21A5AF2-4657-42C3-A801-1C1D312213CB}" type="datetimeFigureOut">
               <a:rPr lang="zh-CN" altLang="en-US" smtClean="0"/>
               <a:t>2024/3/10</a:t>
             </a:fld>
@@ -671,7 +671,7 @@
           <p:cNvPr id="5" name="页脚占位符 4">
             <a:extLst>
               <a:ext uri="{FF2B5EF4-FFF2-40B4-BE49-F238E27FC236}">
-                <a16:creationId xmlns:a16="http://schemas.microsoft.com/office/drawing/2014/main" id="{FE0E1613-7BE6-4B4A-C543-4371D1365AFA}"/>
+                <a16:creationId xmlns:a16="http://schemas.microsoft.com/office/drawing/2014/main" id="{B7F47555-BE3B-8B49-85B1-18475E9932CF}"/>
               </a:ext>
             </a:extLst>
           </p:cNvPr>
@@ -696,7 +696,7 @@
           <p:cNvPr id="6" name="灯片编号占位符 5">
             <a:extLst>
               <a:ext uri="{FF2B5EF4-FFF2-40B4-BE49-F238E27FC236}">
-                <a16:creationId xmlns:a16="http://schemas.microsoft.com/office/drawing/2014/main" id="{7CFFC9BA-36B2-AC5C-3CC2-25D1FE27BC2F}"/>
+                <a16:creationId xmlns:a16="http://schemas.microsoft.com/office/drawing/2014/main" id="{DF8ECB44-6E24-5878-83FE-B7ECED90BAC1}"/>
               </a:ext>
             </a:extLst>
           </p:cNvPr>
@@ -712,7 +712,7 @@
           <a:bodyPr/>
           <a:lstStyle/>
           <a:p>
-            <a:fld id="{4C7C4CD1-45E8-4AE7-8A33-4C108A3A0754}" type="slidenum">
+            <a:fld id="{C413D92D-2D9B-4F27-B52F-80B0F5648E73}" type="slidenum">
               <a:rPr lang="zh-CN" altLang="en-US" smtClean="0"/>
               <a:t>‹#›</a:t>
             </a:fld>
@@ -723,7 +723,7 @@
     </p:spTree>
     <p:extLst>
       <p:ext uri="{BB962C8B-B14F-4D97-AF65-F5344CB8AC3E}">
-        <p14:creationId xmlns:p14="http://schemas.microsoft.com/office/powerpoint/2010/main" val="3481374358"/>
+        <p14:creationId xmlns:p14="http://schemas.microsoft.com/office/powerpoint/2010/main" val="1565986119"/>
       </p:ext>
     </p:extLst>
   </p:cSld>
@@ -755,7 +755,7 @@
           <p:cNvPr id="2" name="标题 1">
             <a:extLst>
               <a:ext uri="{FF2B5EF4-FFF2-40B4-BE49-F238E27FC236}">
-                <a16:creationId xmlns:a16="http://schemas.microsoft.com/office/drawing/2014/main" id="{A02A7374-99A5-8115-5A6D-C3BF1FF63BB2}"/>
+                <a16:creationId xmlns:a16="http://schemas.microsoft.com/office/drawing/2014/main" id="{822392C9-8E88-6F46-4458-114FC454B7C6}"/>
               </a:ext>
             </a:extLst>
           </p:cNvPr>
@@ -783,7 +783,7 @@
           <p:cNvPr id="3" name="内容占位符 2">
             <a:extLst>
               <a:ext uri="{FF2B5EF4-FFF2-40B4-BE49-F238E27FC236}">
-                <a16:creationId xmlns:a16="http://schemas.microsoft.com/office/drawing/2014/main" id="{9F7E6099-0584-D2E9-575A-68B70EF42119}"/>
+                <a16:creationId xmlns:a16="http://schemas.microsoft.com/office/drawing/2014/main" id="{8EF53428-9288-E426-4EC4-CB1010FE1364}"/>
               </a:ext>
             </a:extLst>
           </p:cNvPr>
@@ -840,7 +840,7 @@
           <p:cNvPr id="4" name="日期占位符 3">
             <a:extLst>
               <a:ext uri="{FF2B5EF4-FFF2-40B4-BE49-F238E27FC236}">
-                <a16:creationId xmlns:a16="http://schemas.microsoft.com/office/drawing/2014/main" id="{4430F904-E05E-7EA2-5F23-26F9692A29D7}"/>
+                <a16:creationId xmlns:a16="http://schemas.microsoft.com/office/drawing/2014/main" id="{A7730A16-DA9C-4EB0-036E-F0D6C79F4A19}"/>
               </a:ext>
             </a:extLst>
           </p:cNvPr>
@@ -856,7 +856,7 @@
           <a:bodyPr/>
           <a:lstStyle/>
           <a:p>
-            <a:fld id="{EED2CEB7-51DA-4309-B9AC-D54F855FEF8E}" type="datetimeFigureOut">
+            <a:fld id="{E21A5AF2-4657-42C3-A801-1C1D312213CB}" type="datetimeFigureOut">
               <a:rPr lang="zh-CN" altLang="en-US" smtClean="0"/>
               <a:t>2024/3/10</a:t>
             </a:fld>
@@ -869,7 +869,7 @@
           <p:cNvPr id="5" name="页脚占位符 4">
             <a:extLst>
               <a:ext uri="{FF2B5EF4-FFF2-40B4-BE49-F238E27FC236}">
-                <a16:creationId xmlns:a16="http://schemas.microsoft.com/office/drawing/2014/main" id="{C94B79C8-5704-4214-FF13-A8461B7E6CC2}"/>
+                <a16:creationId xmlns:a16="http://schemas.microsoft.com/office/drawing/2014/main" id="{D230CA99-DC71-9D82-DD61-4E3F64E78A16}"/>
               </a:ext>
             </a:extLst>
           </p:cNvPr>
@@ -894,7 +894,7 @@
           <p:cNvPr id="6" name="灯片编号占位符 5">
             <a:extLst>
               <a:ext uri="{FF2B5EF4-FFF2-40B4-BE49-F238E27FC236}">
-                <a16:creationId xmlns:a16="http://schemas.microsoft.com/office/drawing/2014/main" id="{BEDC4A6C-C15B-9B5E-D4F0-AAE503CF4F3A}"/>
+                <a16:creationId xmlns:a16="http://schemas.microsoft.com/office/drawing/2014/main" id="{96CD6EEC-3D78-9A8C-01A7-86C6C86B842C}"/>
               </a:ext>
             </a:extLst>
           </p:cNvPr>
@@ -910,7 +910,7 @@
           <a:bodyPr/>
           <a:lstStyle/>
           <a:p>
-            <a:fld id="{4C7C4CD1-45E8-4AE7-8A33-4C108A3A0754}" type="slidenum">
+            <a:fld id="{C413D92D-2D9B-4F27-B52F-80B0F5648E73}" type="slidenum">
               <a:rPr lang="zh-CN" altLang="en-US" smtClean="0"/>
               <a:t>‹#›</a:t>
             </a:fld>
@@ -921,7 +921,7 @@
     </p:spTree>
     <p:extLst>
       <p:ext uri="{BB962C8B-B14F-4D97-AF65-F5344CB8AC3E}">
-        <p14:creationId xmlns:p14="http://schemas.microsoft.com/office/powerpoint/2010/main" val="2518435435"/>
+        <p14:creationId xmlns:p14="http://schemas.microsoft.com/office/powerpoint/2010/main" val="2736945711"/>
       </p:ext>
     </p:extLst>
   </p:cSld>
@@ -953,7 +953,7 @@
           <p:cNvPr id="2" name="标题 1">
             <a:extLst>
               <a:ext uri="{FF2B5EF4-FFF2-40B4-BE49-F238E27FC236}">
-                <a16:creationId xmlns:a16="http://schemas.microsoft.com/office/drawing/2014/main" id="{7F200A6F-8404-1B25-0219-0177663B5ED5}"/>
+                <a16:creationId xmlns:a16="http://schemas.microsoft.com/office/drawing/2014/main" id="{2B92B39E-AB5F-03A4-9C4E-3A6A06F7DC85}"/>
               </a:ext>
             </a:extLst>
           </p:cNvPr>
@@ -990,7 +990,7 @@
           <p:cNvPr id="3" name="文本占位符 2">
             <a:extLst>
               <a:ext uri="{FF2B5EF4-FFF2-40B4-BE49-F238E27FC236}">
-                <a16:creationId xmlns:a16="http://schemas.microsoft.com/office/drawing/2014/main" id="{52D1B341-2B41-7021-0334-316A2F16637A}"/>
+                <a16:creationId xmlns:a16="http://schemas.microsoft.com/office/drawing/2014/main" id="{0962BA05-206A-B5C9-0594-0E6C29873639}"/>
               </a:ext>
             </a:extLst>
           </p:cNvPr>
@@ -1115,7 +1115,7 @@
           <p:cNvPr id="4" name="日期占位符 3">
             <a:extLst>
               <a:ext uri="{FF2B5EF4-FFF2-40B4-BE49-F238E27FC236}">
-                <a16:creationId xmlns:a16="http://schemas.microsoft.com/office/drawing/2014/main" id="{05CE9C53-E592-EC72-26A5-B6F4BEDF5300}"/>
+                <a16:creationId xmlns:a16="http://schemas.microsoft.com/office/drawing/2014/main" id="{3A1DF09E-4907-3144-EDE5-23BDB66AB66D}"/>
               </a:ext>
             </a:extLst>
           </p:cNvPr>
@@ -1131,7 +1131,7 @@
           <a:bodyPr/>
           <a:lstStyle/>
           <a:p>
-            <a:fld id="{EED2CEB7-51DA-4309-B9AC-D54F855FEF8E}" type="datetimeFigureOut">
+            <a:fld id="{E21A5AF2-4657-42C3-A801-1C1D312213CB}" type="datetimeFigureOut">
               <a:rPr lang="zh-CN" altLang="en-US" smtClean="0"/>
               <a:t>2024/3/10</a:t>
             </a:fld>
@@ -1144,7 +1144,7 @@
           <p:cNvPr id="5" name="页脚占位符 4">
             <a:extLst>
               <a:ext uri="{FF2B5EF4-FFF2-40B4-BE49-F238E27FC236}">
-                <a16:creationId xmlns:a16="http://schemas.microsoft.com/office/drawing/2014/main" id="{48C18436-4736-B121-B1D5-E78FAC4BC7F4}"/>
+                <a16:creationId xmlns:a16="http://schemas.microsoft.com/office/drawing/2014/main" id="{94FBAAAE-2654-6DC6-D056-A511ED488430}"/>
               </a:ext>
             </a:extLst>
           </p:cNvPr>
@@ -1169,7 +1169,7 @@
           <p:cNvPr id="6" name="灯片编号占位符 5">
             <a:extLst>
               <a:ext uri="{FF2B5EF4-FFF2-40B4-BE49-F238E27FC236}">
-                <a16:creationId xmlns:a16="http://schemas.microsoft.com/office/drawing/2014/main" id="{0F1B5023-5528-F4D8-C1BC-2D170F987C15}"/>
+                <a16:creationId xmlns:a16="http://schemas.microsoft.com/office/drawing/2014/main" id="{80F00C37-CF4E-3DE2-069F-A4AC115D7319}"/>
               </a:ext>
             </a:extLst>
           </p:cNvPr>
@@ -1185,7 +1185,7 @@
           <a:bodyPr/>
           <a:lstStyle/>
           <a:p>
-            <a:fld id="{4C7C4CD1-45E8-4AE7-8A33-4C108A3A0754}" type="slidenum">
+            <a:fld id="{C413D92D-2D9B-4F27-B52F-80B0F5648E73}" type="slidenum">
               <a:rPr lang="zh-CN" altLang="en-US" smtClean="0"/>
               <a:t>‹#›</a:t>
             </a:fld>
@@ -1196,7 +1196,7 @@
     </p:spTree>
     <p:extLst>
       <p:ext uri="{BB962C8B-B14F-4D97-AF65-F5344CB8AC3E}">
-        <p14:creationId xmlns:p14="http://schemas.microsoft.com/office/powerpoint/2010/main" val="689088302"/>
+        <p14:creationId xmlns:p14="http://schemas.microsoft.com/office/powerpoint/2010/main" val="3667384798"/>
       </p:ext>
     </p:extLst>
   </p:cSld>
@@ -1228,7 +1228,7 @@
           <p:cNvPr id="2" name="标题 1">
             <a:extLst>
               <a:ext uri="{FF2B5EF4-FFF2-40B4-BE49-F238E27FC236}">
-                <a16:creationId xmlns:a16="http://schemas.microsoft.com/office/drawing/2014/main" id="{BBC4D595-81E1-40D2-4485-88817D3186F9}"/>
+                <a16:creationId xmlns:a16="http://schemas.microsoft.com/office/drawing/2014/main" id="{6905DD34-01FB-8F96-E84C-C6B7558E08A3}"/>
               </a:ext>
             </a:extLst>
           </p:cNvPr>
@@ -1256,7 +1256,7 @@
           <p:cNvPr id="3" name="内容占位符 2">
             <a:extLst>
               <a:ext uri="{FF2B5EF4-FFF2-40B4-BE49-F238E27FC236}">
-                <a16:creationId xmlns:a16="http://schemas.microsoft.com/office/drawing/2014/main" id="{162CA1E3-9B45-30D8-993D-2507F5E2B47D}"/>
+                <a16:creationId xmlns:a16="http://schemas.microsoft.com/office/drawing/2014/main" id="{EFF66335-5891-88F3-655E-F18F96799729}"/>
               </a:ext>
             </a:extLst>
           </p:cNvPr>
@@ -1318,7 +1318,7 @@
           <p:cNvPr id="4" name="内容占位符 3">
             <a:extLst>
               <a:ext uri="{FF2B5EF4-FFF2-40B4-BE49-F238E27FC236}">
-                <a16:creationId xmlns:a16="http://schemas.microsoft.com/office/drawing/2014/main" id="{57BC51B5-D987-60F7-5623-34D40D358AEB}"/>
+                <a16:creationId xmlns:a16="http://schemas.microsoft.com/office/drawing/2014/main" id="{4554A0D5-E1DC-93D5-32D2-EFA1FCD33C13}"/>
               </a:ext>
             </a:extLst>
           </p:cNvPr>
@@ -1380,7 +1380,7 @@
           <p:cNvPr id="5" name="日期占位符 4">
             <a:extLst>
               <a:ext uri="{FF2B5EF4-FFF2-40B4-BE49-F238E27FC236}">
-                <a16:creationId xmlns:a16="http://schemas.microsoft.com/office/drawing/2014/main" id="{F5FB4D19-2EB5-0FC3-4814-4E59FB86B254}"/>
+                <a16:creationId xmlns:a16="http://schemas.microsoft.com/office/drawing/2014/main" id="{9E753388-B227-4C53-C5D9-5931F87419ED}"/>
               </a:ext>
             </a:extLst>
           </p:cNvPr>
@@ -1396,7 +1396,7 @@
           <a:bodyPr/>
           <a:lstStyle/>
           <a:p>
-            <a:fld id="{EED2CEB7-51DA-4309-B9AC-D54F855FEF8E}" type="datetimeFigureOut">
+            <a:fld id="{E21A5AF2-4657-42C3-A801-1C1D312213CB}" type="datetimeFigureOut">
               <a:rPr lang="zh-CN" altLang="en-US" smtClean="0"/>
               <a:t>2024/3/10</a:t>
             </a:fld>
@@ -1409,7 +1409,7 @@
           <p:cNvPr id="6" name="页脚占位符 5">
             <a:extLst>
               <a:ext uri="{FF2B5EF4-FFF2-40B4-BE49-F238E27FC236}">
-                <a16:creationId xmlns:a16="http://schemas.microsoft.com/office/drawing/2014/main" id="{1C6C20C3-5FDB-46B6-AEF9-7C8B028478CF}"/>
+                <a16:creationId xmlns:a16="http://schemas.microsoft.com/office/drawing/2014/main" id="{DF15FBD6-1C21-3444-FD30-7CAE06E5E115}"/>
               </a:ext>
             </a:extLst>
           </p:cNvPr>
@@ -1434,7 +1434,7 @@
           <p:cNvPr id="7" name="灯片编号占位符 6">
             <a:extLst>
               <a:ext uri="{FF2B5EF4-FFF2-40B4-BE49-F238E27FC236}">
-                <a16:creationId xmlns:a16="http://schemas.microsoft.com/office/drawing/2014/main" id="{4746E7EA-3D4A-DE3B-800B-A2F982D63F11}"/>
+                <a16:creationId xmlns:a16="http://schemas.microsoft.com/office/drawing/2014/main" id="{3936865B-C21C-BA64-ED7A-7D260745E493}"/>
               </a:ext>
             </a:extLst>
           </p:cNvPr>
@@ -1450,7 +1450,7 @@
           <a:bodyPr/>
           <a:lstStyle/>
           <a:p>
-            <a:fld id="{4C7C4CD1-45E8-4AE7-8A33-4C108A3A0754}" type="slidenum">
+            <a:fld id="{C413D92D-2D9B-4F27-B52F-80B0F5648E73}" type="slidenum">
               <a:rPr lang="zh-CN" altLang="en-US" smtClean="0"/>
               <a:t>‹#›</a:t>
             </a:fld>
@@ -1461,7 +1461,7 @@
     </p:spTree>
     <p:extLst>
       <p:ext uri="{BB962C8B-B14F-4D97-AF65-F5344CB8AC3E}">
-        <p14:creationId xmlns:p14="http://schemas.microsoft.com/office/powerpoint/2010/main" val="1501408198"/>
+        <p14:creationId xmlns:p14="http://schemas.microsoft.com/office/powerpoint/2010/main" val="3367555215"/>
       </p:ext>
     </p:extLst>
   </p:cSld>
@@ -1493,7 +1493,7 @@
           <p:cNvPr id="2" name="标题 1">
             <a:extLst>
               <a:ext uri="{FF2B5EF4-FFF2-40B4-BE49-F238E27FC236}">
-                <a16:creationId xmlns:a16="http://schemas.microsoft.com/office/drawing/2014/main" id="{E0C71428-D8B1-394A-D01B-272584D7B11A}"/>
+                <a16:creationId xmlns:a16="http://schemas.microsoft.com/office/drawing/2014/main" id="{5962D6F7-3355-CD0B-1949-367F61A7510A}"/>
               </a:ext>
             </a:extLst>
           </p:cNvPr>
@@ -1526,7 +1526,7 @@
           <p:cNvPr id="3" name="文本占位符 2">
             <a:extLst>
               <a:ext uri="{FF2B5EF4-FFF2-40B4-BE49-F238E27FC236}">
-                <a16:creationId xmlns:a16="http://schemas.microsoft.com/office/drawing/2014/main" id="{DFF8899C-D808-A7B8-373B-E5C19E0F96A8}"/>
+                <a16:creationId xmlns:a16="http://schemas.microsoft.com/office/drawing/2014/main" id="{D1A26EB0-E831-2F21-C8BB-D411D6EACE2A}"/>
               </a:ext>
             </a:extLst>
           </p:cNvPr>
@@ -1597,7 +1597,7 @@
           <p:cNvPr id="4" name="内容占位符 3">
             <a:extLst>
               <a:ext uri="{FF2B5EF4-FFF2-40B4-BE49-F238E27FC236}">
-                <a16:creationId xmlns:a16="http://schemas.microsoft.com/office/drawing/2014/main" id="{C1938B46-F2AF-77C8-E59C-2886962120DF}"/>
+                <a16:creationId xmlns:a16="http://schemas.microsoft.com/office/drawing/2014/main" id="{8D626F2B-9000-7B5E-0A7B-48D241E6C0FF}"/>
               </a:ext>
             </a:extLst>
           </p:cNvPr>
@@ -1659,7 +1659,7 @@
           <p:cNvPr id="5" name="文本占位符 4">
             <a:extLst>
               <a:ext uri="{FF2B5EF4-FFF2-40B4-BE49-F238E27FC236}">
-                <a16:creationId xmlns:a16="http://schemas.microsoft.com/office/drawing/2014/main" id="{544FA9C2-463C-E532-7CC8-1A08405FDA8E}"/>
+                <a16:creationId xmlns:a16="http://schemas.microsoft.com/office/drawing/2014/main" id="{B0083B6F-6C94-EF63-875F-E84E02B6C28D}"/>
               </a:ext>
             </a:extLst>
           </p:cNvPr>
@@ -1730,7 +1730,7 @@
           <p:cNvPr id="6" name="内容占位符 5">
             <a:extLst>
               <a:ext uri="{FF2B5EF4-FFF2-40B4-BE49-F238E27FC236}">
-                <a16:creationId xmlns:a16="http://schemas.microsoft.com/office/drawing/2014/main" id="{34F015E3-8D9A-F1C7-C343-168D55078F8E}"/>
+                <a16:creationId xmlns:a16="http://schemas.microsoft.com/office/drawing/2014/main" id="{B3D6E868-03F0-6870-A75A-77A20D921450}"/>
               </a:ext>
             </a:extLst>
           </p:cNvPr>
@@ -1792,7 +1792,7 @@
           <p:cNvPr id="7" name="日期占位符 6">
             <a:extLst>
               <a:ext uri="{FF2B5EF4-FFF2-40B4-BE49-F238E27FC236}">
-                <a16:creationId xmlns:a16="http://schemas.microsoft.com/office/drawing/2014/main" id="{F51864C4-1B5B-9BAC-5BB7-D6A0546AD8E1}"/>
+                <a16:creationId xmlns:a16="http://schemas.microsoft.com/office/drawing/2014/main" id="{31574CC5-74D1-3D3A-6A00-2CA8F6B9D265}"/>
               </a:ext>
             </a:extLst>
           </p:cNvPr>
@@ -1808,7 +1808,7 @@
           <a:bodyPr/>
           <a:lstStyle/>
           <a:p>
-            <a:fld id="{EED2CEB7-51DA-4309-B9AC-D54F855FEF8E}" type="datetimeFigureOut">
+            <a:fld id="{E21A5AF2-4657-42C3-A801-1C1D312213CB}" type="datetimeFigureOut">
               <a:rPr lang="zh-CN" altLang="en-US" smtClean="0"/>
               <a:t>2024/3/10</a:t>
             </a:fld>
@@ -1821,7 +1821,7 @@
           <p:cNvPr id="8" name="页脚占位符 7">
             <a:extLst>
               <a:ext uri="{FF2B5EF4-FFF2-40B4-BE49-F238E27FC236}">
-                <a16:creationId xmlns:a16="http://schemas.microsoft.com/office/drawing/2014/main" id="{5D76F9D1-C5B9-15AA-1337-ABF1E97F7319}"/>
+                <a16:creationId xmlns:a16="http://schemas.microsoft.com/office/drawing/2014/main" id="{F4928518-387B-AB47-D76B-906E6A69AC18}"/>
               </a:ext>
             </a:extLst>
           </p:cNvPr>
@@ -1846,7 +1846,7 @@
           <p:cNvPr id="9" name="灯片编号占位符 8">
             <a:extLst>
               <a:ext uri="{FF2B5EF4-FFF2-40B4-BE49-F238E27FC236}">
-                <a16:creationId xmlns:a16="http://schemas.microsoft.com/office/drawing/2014/main" id="{8220D9F6-291C-0001-023C-7E2238319101}"/>
+                <a16:creationId xmlns:a16="http://schemas.microsoft.com/office/drawing/2014/main" id="{9CF6034A-5858-B77A-E6EA-22B9640FB2E5}"/>
               </a:ext>
             </a:extLst>
           </p:cNvPr>
@@ -1862,7 +1862,7 @@
           <a:bodyPr/>
           <a:lstStyle/>
           <a:p>
-            <a:fld id="{4C7C4CD1-45E8-4AE7-8A33-4C108A3A0754}" type="slidenum">
+            <a:fld id="{C413D92D-2D9B-4F27-B52F-80B0F5648E73}" type="slidenum">
               <a:rPr lang="zh-CN" altLang="en-US" smtClean="0"/>
               <a:t>‹#›</a:t>
             </a:fld>
@@ -1873,7 +1873,7 @@
     </p:spTree>
     <p:extLst>
       <p:ext uri="{BB962C8B-B14F-4D97-AF65-F5344CB8AC3E}">
-        <p14:creationId xmlns:p14="http://schemas.microsoft.com/office/powerpoint/2010/main" val="1120330323"/>
+        <p14:creationId xmlns:p14="http://schemas.microsoft.com/office/powerpoint/2010/main" val="80029734"/>
       </p:ext>
     </p:extLst>
   </p:cSld>
@@ -1905,7 +1905,7 @@
           <p:cNvPr id="2" name="标题 1">
             <a:extLst>
               <a:ext uri="{FF2B5EF4-FFF2-40B4-BE49-F238E27FC236}">
-                <a16:creationId xmlns:a16="http://schemas.microsoft.com/office/drawing/2014/main" id="{BB742334-FAA4-EC93-CEE1-250B3E6C0A79}"/>
+                <a16:creationId xmlns:a16="http://schemas.microsoft.com/office/drawing/2014/main" id="{35D82B3E-6991-DA4E-8D12-B7D8194EC4C3}"/>
               </a:ext>
             </a:extLst>
           </p:cNvPr>
@@ -1933,7 +1933,7 @@
           <p:cNvPr id="3" name="日期占位符 2">
             <a:extLst>
               <a:ext uri="{FF2B5EF4-FFF2-40B4-BE49-F238E27FC236}">
-                <a16:creationId xmlns:a16="http://schemas.microsoft.com/office/drawing/2014/main" id="{F4C1A5B4-A899-C407-C431-47065FB2F739}"/>
+                <a16:creationId xmlns:a16="http://schemas.microsoft.com/office/drawing/2014/main" id="{247DFCBF-B28A-CF59-53CD-A03F8AA261A2}"/>
               </a:ext>
             </a:extLst>
           </p:cNvPr>
@@ -1949,7 +1949,7 @@
           <a:bodyPr/>
           <a:lstStyle/>
           <a:p>
-            <a:fld id="{EED2CEB7-51DA-4309-B9AC-D54F855FEF8E}" type="datetimeFigureOut">
+            <a:fld id="{E21A5AF2-4657-42C3-A801-1C1D312213CB}" type="datetimeFigureOut">
               <a:rPr lang="zh-CN" altLang="en-US" smtClean="0"/>
               <a:t>2024/3/10</a:t>
             </a:fld>
@@ -1962,7 +1962,7 @@
           <p:cNvPr id="4" name="页脚占位符 3">
             <a:extLst>
               <a:ext uri="{FF2B5EF4-FFF2-40B4-BE49-F238E27FC236}">
-                <a16:creationId xmlns:a16="http://schemas.microsoft.com/office/drawing/2014/main" id="{CD98AEFD-6680-061D-2C72-C7A6856259BE}"/>
+                <a16:creationId xmlns:a16="http://schemas.microsoft.com/office/drawing/2014/main" id="{649FA744-A087-FC22-A04E-42BB35FB5C30}"/>
               </a:ext>
             </a:extLst>
           </p:cNvPr>
@@ -1987,7 +1987,7 @@
           <p:cNvPr id="5" name="灯片编号占位符 4">
             <a:extLst>
               <a:ext uri="{FF2B5EF4-FFF2-40B4-BE49-F238E27FC236}">
-                <a16:creationId xmlns:a16="http://schemas.microsoft.com/office/drawing/2014/main" id="{3D94885C-8919-C8C3-4F99-D49DA92AA547}"/>
+                <a16:creationId xmlns:a16="http://schemas.microsoft.com/office/drawing/2014/main" id="{9632F43C-BF64-8642-E245-F9EA48DD3C9C}"/>
               </a:ext>
             </a:extLst>
           </p:cNvPr>
@@ -2003,7 +2003,7 @@
           <a:bodyPr/>
           <a:lstStyle/>
           <a:p>
-            <a:fld id="{4C7C4CD1-45E8-4AE7-8A33-4C108A3A0754}" type="slidenum">
+            <a:fld id="{C413D92D-2D9B-4F27-B52F-80B0F5648E73}" type="slidenum">
               <a:rPr lang="zh-CN" altLang="en-US" smtClean="0"/>
               <a:t>‹#›</a:t>
             </a:fld>
@@ -2014,7 +2014,7 @@
     </p:spTree>
     <p:extLst>
       <p:ext uri="{BB962C8B-B14F-4D97-AF65-F5344CB8AC3E}">
-        <p14:creationId xmlns:p14="http://schemas.microsoft.com/office/powerpoint/2010/main" val="3963781877"/>
+        <p14:creationId xmlns:p14="http://schemas.microsoft.com/office/powerpoint/2010/main" val="102265180"/>
       </p:ext>
     </p:extLst>
   </p:cSld>
@@ -2046,7 +2046,7 @@
           <p:cNvPr id="2" name="日期占位符 1">
             <a:extLst>
               <a:ext uri="{FF2B5EF4-FFF2-40B4-BE49-F238E27FC236}">
-                <a16:creationId xmlns:a16="http://schemas.microsoft.com/office/drawing/2014/main" id="{A6EAF00A-EAC1-9D28-5045-5DD762C5585E}"/>
+                <a16:creationId xmlns:a16="http://schemas.microsoft.com/office/drawing/2014/main" id="{3149567F-C6A9-ACF4-27B4-CFC7FD7B971A}"/>
               </a:ext>
             </a:extLst>
           </p:cNvPr>
@@ -2062,7 +2062,7 @@
           <a:bodyPr/>
           <a:lstStyle/>
           <a:p>
-            <a:fld id="{EED2CEB7-51DA-4309-B9AC-D54F855FEF8E}" type="datetimeFigureOut">
+            <a:fld id="{E21A5AF2-4657-42C3-A801-1C1D312213CB}" type="datetimeFigureOut">
               <a:rPr lang="zh-CN" altLang="en-US" smtClean="0"/>
               <a:t>2024/3/10</a:t>
             </a:fld>
@@ -2075,7 +2075,7 @@
           <p:cNvPr id="3" name="页脚占位符 2">
             <a:extLst>
               <a:ext uri="{FF2B5EF4-FFF2-40B4-BE49-F238E27FC236}">
-                <a16:creationId xmlns:a16="http://schemas.microsoft.com/office/drawing/2014/main" id="{6DD1124B-98D0-02C8-CBC3-181219BC2A19}"/>
+                <a16:creationId xmlns:a16="http://schemas.microsoft.com/office/drawing/2014/main" id="{2D4A7826-2875-CB7F-2562-A8625CD47BA9}"/>
               </a:ext>
             </a:extLst>
           </p:cNvPr>
@@ -2100,7 +2100,7 @@
           <p:cNvPr id="4" name="灯片编号占位符 3">
             <a:extLst>
               <a:ext uri="{FF2B5EF4-FFF2-40B4-BE49-F238E27FC236}">
-                <a16:creationId xmlns:a16="http://schemas.microsoft.com/office/drawing/2014/main" id="{00EAB99A-A6A9-A294-7264-22446ED80C00}"/>
+                <a16:creationId xmlns:a16="http://schemas.microsoft.com/office/drawing/2014/main" id="{BFE2EFAD-0E7D-E5F1-4371-3ADB22C3655F}"/>
               </a:ext>
             </a:extLst>
           </p:cNvPr>
@@ -2116,7 +2116,7 @@
           <a:bodyPr/>
           <a:lstStyle/>
           <a:p>
-            <a:fld id="{4C7C4CD1-45E8-4AE7-8A33-4C108A3A0754}" type="slidenum">
+            <a:fld id="{C413D92D-2D9B-4F27-B52F-80B0F5648E73}" type="slidenum">
               <a:rPr lang="zh-CN" altLang="en-US" smtClean="0"/>
               <a:t>‹#›</a:t>
             </a:fld>
@@ -2127,7 +2127,7 @@
     </p:spTree>
     <p:extLst>
       <p:ext uri="{BB962C8B-B14F-4D97-AF65-F5344CB8AC3E}">
-        <p14:creationId xmlns:p14="http://schemas.microsoft.com/office/powerpoint/2010/main" val="430420049"/>
+        <p14:creationId xmlns:p14="http://schemas.microsoft.com/office/powerpoint/2010/main" val="2569303140"/>
       </p:ext>
     </p:extLst>
   </p:cSld>
@@ -2159,7 +2159,7 @@
           <p:cNvPr id="2" name="标题 1">
             <a:extLst>
               <a:ext uri="{FF2B5EF4-FFF2-40B4-BE49-F238E27FC236}">
-                <a16:creationId xmlns:a16="http://schemas.microsoft.com/office/drawing/2014/main" id="{2FD14195-63D0-76C3-970C-8E365D00E5DB}"/>
+                <a16:creationId xmlns:a16="http://schemas.microsoft.com/office/drawing/2014/main" id="{98C30AE6-464C-F9C9-F504-FFC684A3D1D4}"/>
               </a:ext>
             </a:extLst>
           </p:cNvPr>
@@ -2196,7 +2196,7 @@
           <p:cNvPr id="3" name="内容占位符 2">
             <a:extLst>
               <a:ext uri="{FF2B5EF4-FFF2-40B4-BE49-F238E27FC236}">
-                <a16:creationId xmlns:a16="http://schemas.microsoft.com/office/drawing/2014/main" id="{E936B4A3-6F6A-C276-E77E-1E4B9B3BB175}"/>
+                <a16:creationId xmlns:a16="http://schemas.microsoft.com/office/drawing/2014/main" id="{C9AE143F-F8FB-4CFC-0891-494F2C8EBE3A}"/>
               </a:ext>
             </a:extLst>
           </p:cNvPr>
@@ -2286,7 +2286,7 @@
           <p:cNvPr id="4" name="文本占位符 3">
             <a:extLst>
               <a:ext uri="{FF2B5EF4-FFF2-40B4-BE49-F238E27FC236}">
-                <a16:creationId xmlns:a16="http://schemas.microsoft.com/office/drawing/2014/main" id="{CC077E1B-CCFA-516E-CB1E-05477EE4DB73}"/>
+                <a16:creationId xmlns:a16="http://schemas.microsoft.com/office/drawing/2014/main" id="{D7071DCE-6A37-159F-100E-8E7B04237052}"/>
               </a:ext>
             </a:extLst>
           </p:cNvPr>
@@ -2357,7 +2357,7 @@
           <p:cNvPr id="5" name="日期占位符 4">
             <a:extLst>
               <a:ext uri="{FF2B5EF4-FFF2-40B4-BE49-F238E27FC236}">
-                <a16:creationId xmlns:a16="http://schemas.microsoft.com/office/drawing/2014/main" id="{748F619D-26BA-DA72-F696-B97EFAB53883}"/>
+                <a16:creationId xmlns:a16="http://schemas.microsoft.com/office/drawing/2014/main" id="{0EED5960-F390-063D-1D4F-073A4B266984}"/>
               </a:ext>
             </a:extLst>
           </p:cNvPr>
@@ -2373,7 +2373,7 @@
           <a:bodyPr/>
           <a:lstStyle/>
           <a:p>
-            <a:fld id="{EED2CEB7-51DA-4309-B9AC-D54F855FEF8E}" type="datetimeFigureOut">
+            <a:fld id="{E21A5AF2-4657-42C3-A801-1C1D312213CB}" type="datetimeFigureOut">
               <a:rPr lang="zh-CN" altLang="en-US" smtClean="0"/>
               <a:t>2024/3/10</a:t>
             </a:fld>
@@ -2386,7 +2386,7 @@
           <p:cNvPr id="6" name="页脚占位符 5">
             <a:extLst>
               <a:ext uri="{FF2B5EF4-FFF2-40B4-BE49-F238E27FC236}">
-                <a16:creationId xmlns:a16="http://schemas.microsoft.com/office/drawing/2014/main" id="{4B19DB72-06C6-4CD0-D29A-A2AA3C6F2673}"/>
+                <a16:creationId xmlns:a16="http://schemas.microsoft.com/office/drawing/2014/main" id="{8ED52434-E62F-E76E-BF7A-30C5B3716A4C}"/>
               </a:ext>
             </a:extLst>
           </p:cNvPr>
@@ -2411,7 +2411,7 @@
           <p:cNvPr id="7" name="灯片编号占位符 6">
             <a:extLst>
               <a:ext uri="{FF2B5EF4-FFF2-40B4-BE49-F238E27FC236}">
-                <a16:creationId xmlns:a16="http://schemas.microsoft.com/office/drawing/2014/main" id="{55069E66-241D-763B-FFC4-1F3544332795}"/>
+                <a16:creationId xmlns:a16="http://schemas.microsoft.com/office/drawing/2014/main" id="{4FABBFC5-5515-1B73-F400-E6B531DC9B04}"/>
               </a:ext>
             </a:extLst>
           </p:cNvPr>
@@ -2427,7 +2427,7 @@
           <a:bodyPr/>
           <a:lstStyle/>
           <a:p>
-            <a:fld id="{4C7C4CD1-45E8-4AE7-8A33-4C108A3A0754}" type="slidenum">
+            <a:fld id="{C413D92D-2D9B-4F27-B52F-80B0F5648E73}" type="slidenum">
               <a:rPr lang="zh-CN" altLang="en-US" smtClean="0"/>
               <a:t>‹#›</a:t>
             </a:fld>
@@ -2438,7 +2438,7 @@
     </p:spTree>
     <p:extLst>
       <p:ext uri="{BB962C8B-B14F-4D97-AF65-F5344CB8AC3E}">
-        <p14:creationId xmlns:p14="http://schemas.microsoft.com/office/powerpoint/2010/main" val="4071318544"/>
+        <p14:creationId xmlns:p14="http://schemas.microsoft.com/office/powerpoint/2010/main" val="3509894999"/>
       </p:ext>
     </p:extLst>
   </p:cSld>
@@ -2470,7 +2470,7 @@
           <p:cNvPr id="2" name="标题 1">
             <a:extLst>
               <a:ext uri="{FF2B5EF4-FFF2-40B4-BE49-F238E27FC236}">
-                <a16:creationId xmlns:a16="http://schemas.microsoft.com/office/drawing/2014/main" id="{19AA211D-4EFC-5E2A-B1A0-37EF2431E3C3}"/>
+                <a16:creationId xmlns:a16="http://schemas.microsoft.com/office/drawing/2014/main" id="{C15ACDA1-A1A5-2A55-32D4-42D25BD648EF}"/>
               </a:ext>
             </a:extLst>
           </p:cNvPr>
@@ -2507,7 +2507,7 @@
           <p:cNvPr id="3" name="图片占位符 2">
             <a:extLst>
               <a:ext uri="{FF2B5EF4-FFF2-40B4-BE49-F238E27FC236}">
-                <a16:creationId xmlns:a16="http://schemas.microsoft.com/office/drawing/2014/main" id="{2E8E1127-2520-40BA-667C-1095297D8E4C}"/>
+                <a16:creationId xmlns:a16="http://schemas.microsoft.com/office/drawing/2014/main" id="{076530F9-CB0C-D5FF-BE68-43EA38197ADE}"/>
               </a:ext>
             </a:extLst>
           </p:cNvPr>
@@ -2574,7 +2574,7 @@
           <p:cNvPr id="4" name="文本占位符 3">
             <a:extLst>
               <a:ext uri="{FF2B5EF4-FFF2-40B4-BE49-F238E27FC236}">
-                <a16:creationId xmlns:a16="http://schemas.microsoft.com/office/drawing/2014/main" id="{AE9A9FE7-F723-F6AC-18FC-7618337B430C}"/>
+                <a16:creationId xmlns:a16="http://schemas.microsoft.com/office/drawing/2014/main" id="{6EF5BF84-CB13-327F-5E5E-151E5E716CA0}"/>
               </a:ext>
             </a:extLst>
           </p:cNvPr>
@@ -2645,7 +2645,7 @@
           <p:cNvPr id="5" name="日期占位符 4">
             <a:extLst>
               <a:ext uri="{FF2B5EF4-FFF2-40B4-BE49-F238E27FC236}">
-                <a16:creationId xmlns:a16="http://schemas.microsoft.com/office/drawing/2014/main" id="{9B2A7F1A-CA09-1D6F-DD9B-5563776FFE13}"/>
+                <a16:creationId xmlns:a16="http://schemas.microsoft.com/office/drawing/2014/main" id="{246C17C6-5086-A201-B884-019A173E5086}"/>
               </a:ext>
             </a:extLst>
           </p:cNvPr>
@@ -2661,7 +2661,7 @@
           <a:bodyPr/>
           <a:lstStyle/>
           <a:p>
-            <a:fld id="{EED2CEB7-51DA-4309-B9AC-D54F855FEF8E}" type="datetimeFigureOut">
+            <a:fld id="{E21A5AF2-4657-42C3-A801-1C1D312213CB}" type="datetimeFigureOut">
               <a:rPr lang="zh-CN" altLang="en-US" smtClean="0"/>
               <a:t>2024/3/10</a:t>
             </a:fld>
@@ -2674,7 +2674,7 @@
           <p:cNvPr id="6" name="页脚占位符 5">
             <a:extLst>
               <a:ext uri="{FF2B5EF4-FFF2-40B4-BE49-F238E27FC236}">
-                <a16:creationId xmlns:a16="http://schemas.microsoft.com/office/drawing/2014/main" id="{3AF186B4-642D-7F2B-4DD2-5CD3AA00B7C8}"/>
+                <a16:creationId xmlns:a16="http://schemas.microsoft.com/office/drawing/2014/main" id="{7CCA9656-D9AC-8A35-F6C9-FD3D6F155801}"/>
               </a:ext>
             </a:extLst>
           </p:cNvPr>
@@ -2699,7 +2699,7 @@
           <p:cNvPr id="7" name="灯片编号占位符 6">
             <a:extLst>
               <a:ext uri="{FF2B5EF4-FFF2-40B4-BE49-F238E27FC236}">
-                <a16:creationId xmlns:a16="http://schemas.microsoft.com/office/drawing/2014/main" id="{F2A3C500-1EB0-064B-4821-70DBADAD9567}"/>
+                <a16:creationId xmlns:a16="http://schemas.microsoft.com/office/drawing/2014/main" id="{6A70846E-4B08-9668-8E0C-9C7F72BBC739}"/>
               </a:ext>
             </a:extLst>
           </p:cNvPr>
@@ -2715,7 +2715,7 @@
           <a:bodyPr/>
           <a:lstStyle/>
           <a:p>
-            <a:fld id="{4C7C4CD1-45E8-4AE7-8A33-4C108A3A0754}" type="slidenum">
+            <a:fld id="{C413D92D-2D9B-4F27-B52F-80B0F5648E73}" type="slidenum">
               <a:rPr lang="zh-CN" altLang="en-US" smtClean="0"/>
               <a:t>‹#›</a:t>
             </a:fld>
@@ -2726,7 +2726,7 @@
     </p:spTree>
     <p:extLst>
       <p:ext uri="{BB962C8B-B14F-4D97-AF65-F5344CB8AC3E}">
-        <p14:creationId xmlns:p14="http://schemas.microsoft.com/office/powerpoint/2010/main" val="2664746125"/>
+        <p14:creationId xmlns:p14="http://schemas.microsoft.com/office/powerpoint/2010/main" val="3069216435"/>
       </p:ext>
     </p:extLst>
   </p:cSld>
@@ -2763,7 +2763,7 @@
           <p:cNvPr id="2" name="标题占位符 1">
             <a:extLst>
               <a:ext uri="{FF2B5EF4-FFF2-40B4-BE49-F238E27FC236}">
-                <a16:creationId xmlns:a16="http://schemas.microsoft.com/office/drawing/2014/main" id="{A129EF6D-A0BB-E699-5902-B3FEBBC18936}"/>
+                <a16:creationId xmlns:a16="http://schemas.microsoft.com/office/drawing/2014/main" id="{C4D405AD-5910-8820-1CB7-FFFBC7BEBB06}"/>
               </a:ext>
             </a:extLst>
           </p:cNvPr>
@@ -2801,7 +2801,7 @@
           <p:cNvPr id="3" name="文本占位符 2">
             <a:extLst>
               <a:ext uri="{FF2B5EF4-FFF2-40B4-BE49-F238E27FC236}">
-                <a16:creationId xmlns:a16="http://schemas.microsoft.com/office/drawing/2014/main" id="{6B3B7978-7BE3-057F-D33F-316D0F87798D}"/>
+                <a16:creationId xmlns:a16="http://schemas.microsoft.com/office/drawing/2014/main" id="{78328183-89BA-4C45-CDFC-1539310B108C}"/>
               </a:ext>
             </a:extLst>
           </p:cNvPr>
@@ -2868,7 +2868,7 @@
           <p:cNvPr id="4" name="日期占位符 3">
             <a:extLst>
               <a:ext uri="{FF2B5EF4-FFF2-40B4-BE49-F238E27FC236}">
-                <a16:creationId xmlns:a16="http://schemas.microsoft.com/office/drawing/2014/main" id="{14E3EF2A-1977-6E2C-C0CD-ACEBCF5D9231}"/>
+                <a16:creationId xmlns:a16="http://schemas.microsoft.com/office/drawing/2014/main" id="{E6988C1F-2D51-063E-B2AC-4F92BA253D40}"/>
               </a:ext>
             </a:extLst>
           </p:cNvPr>
@@ -2902,7 +2902,7 @@
             </a:lvl1pPr>
           </a:lstStyle>
           <a:p>
-            <a:fld id="{EED2CEB7-51DA-4309-B9AC-D54F855FEF8E}" type="datetimeFigureOut">
+            <a:fld id="{E21A5AF2-4657-42C3-A801-1C1D312213CB}" type="datetimeFigureOut">
               <a:rPr lang="zh-CN" altLang="en-US" smtClean="0"/>
               <a:t>2024/3/10</a:t>
             </a:fld>
@@ -2915,7 +2915,7 @@
           <p:cNvPr id="5" name="页脚占位符 4">
             <a:extLst>
               <a:ext uri="{FF2B5EF4-FFF2-40B4-BE49-F238E27FC236}">
-                <a16:creationId xmlns:a16="http://schemas.microsoft.com/office/drawing/2014/main" id="{D037A303-2B33-2DA1-B209-1BC88F7EEA17}"/>
+                <a16:creationId xmlns:a16="http://schemas.microsoft.com/office/drawing/2014/main" id="{34C8A1EB-A469-D777-FE4A-0DB6980928DB}"/>
               </a:ext>
             </a:extLst>
           </p:cNvPr>
@@ -2958,7 +2958,7 @@
           <p:cNvPr id="6" name="灯片编号占位符 5">
             <a:extLst>
               <a:ext uri="{FF2B5EF4-FFF2-40B4-BE49-F238E27FC236}">
-                <a16:creationId xmlns:a16="http://schemas.microsoft.com/office/drawing/2014/main" id="{A6967F73-66F4-7CAB-BDBE-0A456DBC9E39}"/>
+                <a16:creationId xmlns:a16="http://schemas.microsoft.com/office/drawing/2014/main" id="{D556519D-44C8-0FB7-055D-8824CA8D23E8}"/>
               </a:ext>
             </a:extLst>
           </p:cNvPr>
@@ -2992,7 +2992,7 @@
             </a:lvl1pPr>
           </a:lstStyle>
           <a:p>
-            <a:fld id="{4C7C4CD1-45E8-4AE7-8A33-4C108A3A0754}" type="slidenum">
+            <a:fld id="{C413D92D-2D9B-4F27-B52F-80B0F5648E73}" type="slidenum">
               <a:rPr lang="zh-CN" altLang="en-US" smtClean="0"/>
               <a:t>‹#›</a:t>
             </a:fld>
@@ -3003,7 +3003,7 @@
     </p:spTree>
     <p:extLst>
       <p:ext uri="{BB962C8B-B14F-4D97-AF65-F5344CB8AC3E}">
-        <p14:creationId xmlns:p14="http://schemas.microsoft.com/office/powerpoint/2010/main" val="1266528542"/>
+        <p14:creationId xmlns:p14="http://schemas.microsoft.com/office/powerpoint/2010/main" val="204867305"/>
       </p:ext>
     </p:extLst>
   </p:cSld>
@@ -3323,7 +3323,7 @@
       </p:grpSpPr>
       <p:pic>
         <p:nvPicPr>
-          <p:cNvPr id="1438722" name="Picture 2" descr="1404"/>
+          <p:cNvPr id="1439746" name="Picture 2" descr="1405"/>
           <p:cNvPicPr>
             <a:picLocks noChangeAspect="1" noChangeArrowheads="1"/>
           </p:cNvPicPr>
@@ -3345,7 +3345,7 @@
         <p:spPr bwMode="auto">
           <a:xfrm>
             <a:off x="1524000" y="0"/>
-            <a:ext cx="9144000" cy="6858000"/>
+            <a:ext cx="9144000" cy="3860800"/>
           </a:xfrm>
           <a:prstGeom prst="rect">
             <a:avLst/>
